--- a/Iteración 1/ITERACIÓN 1.pptx
+++ b/Iteración 1/ITERACIÓN 1.pptx
@@ -5,7 +5,7 @@
     <p:sldMasterId id="2147483670" r:id="rId1"/>
   </p:sldMasterIdLst>
   <p:notesMasterIdLst>
-    <p:notesMasterId r:id="rId14"/>
+    <p:notesMasterId r:id="rId15"/>
   </p:notesMasterIdLst>
   <p:sldIdLst>
     <p:sldId id="256" r:id="rId2"/>
@@ -17,38 +17,39 @@
     <p:sldId id="262" r:id="rId8"/>
     <p:sldId id="276" r:id="rId9"/>
     <p:sldId id="268" r:id="rId10"/>
-    <p:sldId id="266" r:id="rId11"/>
-    <p:sldId id="281" r:id="rId12"/>
-    <p:sldId id="282" r:id="rId13"/>
+    <p:sldId id="283" r:id="rId11"/>
+    <p:sldId id="266" r:id="rId12"/>
+    <p:sldId id="284" r:id="rId13"/>
+    <p:sldId id="282" r:id="rId14"/>
   </p:sldIdLst>
   <p:sldSz cx="9144000" cy="5143500" type="screen16x9"/>
   <p:notesSz cx="6858000" cy="9144000"/>
   <p:embeddedFontLst>
     <p:embeddedFont>
       <p:font typeface="Fira Sans Extra Condensed Medium" panose="020B0604020202020204" charset="0"/>
-      <p:regular r:id="rId15"/>
-      <p:bold r:id="rId16"/>
-      <p:italic r:id="rId17"/>
-      <p:boldItalic r:id="rId18"/>
+      <p:regular r:id="rId16"/>
+      <p:bold r:id="rId17"/>
+      <p:italic r:id="rId18"/>
+      <p:boldItalic r:id="rId19"/>
     </p:embeddedFont>
     <p:embeddedFont>
       <p:font typeface="Catamaran Light" panose="020B0604020202020204" charset="0"/>
-      <p:regular r:id="rId19"/>
-      <p:bold r:id="rId20"/>
+      <p:regular r:id="rId20"/>
+      <p:bold r:id="rId21"/>
+    </p:embeddedFont>
+    <p:embeddedFont>
+      <p:font typeface="Roboto" panose="020B0604020202020204" charset="0"/>
+      <p:regular r:id="rId22"/>
+      <p:bold r:id="rId23"/>
+      <p:italic r:id="rId24"/>
+      <p:boldItalic r:id="rId25"/>
     </p:embeddedFont>
     <p:embeddedFont>
       <p:font typeface="Livvic" panose="020B0604020202020204" charset="0"/>
-      <p:regular r:id="rId21"/>
-      <p:bold r:id="rId22"/>
-      <p:italic r:id="rId23"/>
-      <p:boldItalic r:id="rId24"/>
-    </p:embeddedFont>
-    <p:embeddedFont>
-      <p:font typeface="Roboto" panose="020B0604020202020204" charset="0"/>
-      <p:regular r:id="rId25"/>
-      <p:bold r:id="rId26"/>
-      <p:italic r:id="rId27"/>
-      <p:boldItalic r:id="rId28"/>
+      <p:regular r:id="rId26"/>
+      <p:bold r:id="rId27"/>
+      <p:italic r:id="rId28"/>
+      <p:boldItalic r:id="rId29"/>
     </p:embeddedFont>
   </p:embeddedFontLst>
   <p:defaultTextStyle>
@@ -411,7 +412,6 @@
             <c:showLeaderLines val="0"/>
             <c:extLst>
               <c:ext xmlns:c15="http://schemas.microsoft.com/office/drawing/2012/chart" uri="{CE6537A1-D6FC-4f65-9D91-7224C49458BB}">
-                <c15:layout/>
                 <c15:showLeaderLines val="1"/>
                 <c15:leaderLines>
                   <c:spPr>
@@ -1687,6 +1687,115 @@
   <p:cSld>
     <p:spTree>
       <p:nvGrpSpPr>
+        <p:cNvPr id="1" name="Shape 337"/>
+        <p:cNvGrpSpPr/>
+        <p:nvPr/>
+      </p:nvGrpSpPr>
+      <p:grpSpPr>
+        <a:xfrm>
+          <a:off x="0" y="0"/>
+          <a:ext cx="0" cy="0"/>
+          <a:chOff x="0" y="0"/>
+          <a:chExt cx="0" cy="0"/>
+        </a:xfrm>
+      </p:grpSpPr>
+      <p:sp>
+        <p:nvSpPr>
+          <p:cNvPr id="338" name="Google Shape;338;g33e13d9a7e_0_566:notes"/>
+          <p:cNvSpPr>
+            <a:spLocks noGrp="1" noRot="1" noChangeAspect="1"/>
+          </p:cNvSpPr>
+          <p:nvPr>
+            <p:ph type="sldImg" idx="2"/>
+          </p:nvPr>
+        </p:nvSpPr>
+        <p:spPr>
+          <a:xfrm>
+            <a:off x="381000" y="685800"/>
+            <a:ext cx="6096000" cy="3429000"/>
+          </a:xfrm>
+          <a:custGeom>
+            <a:avLst/>
+            <a:gdLst/>
+            <a:ahLst/>
+            <a:cxnLst/>
+            <a:rect l="l" t="t" r="r" b="b"/>
+            <a:pathLst>
+              <a:path w="120000" h="120000" extrusionOk="0">
+                <a:moveTo>
+                  <a:pt x="0" y="0"/>
+                </a:moveTo>
+                <a:lnTo>
+                  <a:pt x="120000" y="0"/>
+                </a:lnTo>
+                <a:lnTo>
+                  <a:pt x="120000" y="120000"/>
+                </a:lnTo>
+                <a:lnTo>
+                  <a:pt x="0" y="120000"/>
+                </a:lnTo>
+                <a:close/>
+              </a:path>
+            </a:pathLst>
+          </a:custGeom>
+        </p:spPr>
+      </p:sp>
+      <p:sp>
+        <p:nvSpPr>
+          <p:cNvPr id="339" name="Google Shape;339;g33e13d9a7e_0_566:notes"/>
+          <p:cNvSpPr txBox="1">
+            <a:spLocks noGrp="1"/>
+          </p:cNvSpPr>
+          <p:nvPr>
+            <p:ph type="body" idx="1"/>
+          </p:nvPr>
+        </p:nvSpPr>
+        <p:spPr>
+          <a:xfrm>
+            <a:off x="685800" y="4343400"/>
+            <a:ext cx="5486400" cy="4114800"/>
+          </a:xfrm>
+          <a:prstGeom prst="rect">
+            <a:avLst/>
+          </a:prstGeom>
+        </p:spPr>
+        <p:txBody>
+          <a:bodyPr spcFirstLastPara="1" wrap="square" lIns="91425" tIns="91425" rIns="91425" bIns="91425" anchor="t" anchorCtr="0">
+            <a:noAutofit/>
+          </a:bodyPr>
+          <a:lstStyle/>
+          <a:p>
+            <a:pPr marL="0" lvl="0" indent="0" algn="l" rtl="0">
+              <a:spcBef>
+                <a:spcPts val="0"/>
+              </a:spcBef>
+              <a:spcAft>
+                <a:spcPts val="0"/>
+              </a:spcAft>
+              <a:buNone/>
+            </a:pPr>
+            <a:endParaRPr/>
+          </a:p>
+        </p:txBody>
+      </p:sp>
+    </p:spTree>
+    <p:extLst>
+      <p:ext uri="{BB962C8B-B14F-4D97-AF65-F5344CB8AC3E}">
+        <p14:creationId xmlns:p14="http://schemas.microsoft.com/office/powerpoint/2010/main" val="3545720648"/>
+      </p:ext>
+    </p:extLst>
+  </p:cSld>
+  <p:clrMapOvr>
+    <a:masterClrMapping/>
+  </p:clrMapOvr>
+</p:notes>
+</file>
+
+<file path=ppt/notesSlides/notesSlide11.xml><?xml version="1.0" encoding="utf-8"?>
+<p:notes xmlns:a="http://schemas.openxmlformats.org/drawingml/2006/main" xmlns:r="http://schemas.openxmlformats.org/officeDocument/2006/relationships" xmlns:p="http://schemas.openxmlformats.org/presentationml/2006/main" showMasterSp="0" showMasterPhAnim="0">
+  <p:cSld>
+    <p:spTree>
+      <p:nvGrpSpPr>
         <p:cNvPr id="1" name="Shape 237"/>
         <p:cNvGrpSpPr/>
         <p:nvPr/>
@@ -1786,7 +1895,7 @@
 </p:notes>
 </file>
 
-<file path=ppt/notesSlides/notesSlide11.xml><?xml version="1.0" encoding="utf-8"?>
+<file path=ppt/notesSlides/notesSlide12.xml><?xml version="1.0" encoding="utf-8"?>
 <p:notes xmlns:a="http://schemas.openxmlformats.org/drawingml/2006/main" xmlns:r="http://schemas.openxmlformats.org/officeDocument/2006/relationships" xmlns:p="http://schemas.openxmlformats.org/presentationml/2006/main" showMasterSp="0" showMasterPhAnim="0">
   <p:cSld>
     <p:spTree>
@@ -1883,6 +1992,11 @@
         </p:txBody>
       </p:sp>
     </p:spTree>
+    <p:extLst>
+      <p:ext uri="{BB962C8B-B14F-4D97-AF65-F5344CB8AC3E}">
+        <p14:creationId xmlns:p14="http://schemas.microsoft.com/office/powerpoint/2010/main" val="3857252895"/>
+      </p:ext>
+    </p:extLst>
   </p:cSld>
   <p:clrMapOvr>
     <a:masterClrMapping/>
@@ -1890,7 +2004,7 @@
 </p:notes>
 </file>
 
-<file path=ppt/notesSlides/notesSlide12.xml><?xml version="1.0" encoding="utf-8"?>
+<file path=ppt/notesSlides/notesSlide13.xml><?xml version="1.0" encoding="utf-8"?>
 <p:notes xmlns:a="http://schemas.openxmlformats.org/drawingml/2006/main" xmlns:r="http://schemas.openxmlformats.org/officeDocument/2006/relationships" xmlns:p="http://schemas.openxmlformats.org/presentationml/2006/main" showMasterSp="0" showMasterPhAnim="0">
   <p:cSld>
     <p:spTree>
@@ -11966,6 +12080,1631 @@
 <file path=ppt/slides/slide10.xml><?xml version="1.0" encoding="utf-8"?>
 <p:sld xmlns:a="http://schemas.openxmlformats.org/drawingml/2006/main" xmlns:r="http://schemas.openxmlformats.org/officeDocument/2006/relationships" xmlns:p="http://schemas.openxmlformats.org/presentationml/2006/main">
   <p:cSld>
+    <p:spTree>
+      <p:nvGrpSpPr>
+        <p:cNvPr id="1" name="Shape 340"/>
+        <p:cNvGrpSpPr/>
+        <p:nvPr/>
+      </p:nvGrpSpPr>
+      <p:grpSpPr>
+        <a:xfrm>
+          <a:off x="0" y="0"/>
+          <a:ext cx="0" cy="0"/>
+          <a:chOff x="0" y="0"/>
+          <a:chExt cx="0" cy="0"/>
+        </a:xfrm>
+      </p:grpSpPr>
+      <p:sp>
+        <p:nvSpPr>
+          <p:cNvPr id="341" name="Google Shape;341;p40"/>
+          <p:cNvSpPr/>
+          <p:nvPr/>
+        </p:nvSpPr>
+        <p:spPr>
+          <a:xfrm>
+            <a:off x="720000" y="1324760"/>
+            <a:ext cx="3135900" cy="1167900"/>
+          </a:xfrm>
+          <a:prstGeom prst="rect">
+            <a:avLst/>
+          </a:prstGeom>
+          <a:solidFill>
+            <a:schemeClr val="dk1"/>
+          </a:solidFill>
+          <a:ln>
+            <a:noFill/>
+          </a:ln>
+        </p:spPr>
+        <p:txBody>
+          <a:bodyPr spcFirstLastPara="1" wrap="square" lIns="91425" tIns="91425" rIns="91425" bIns="91425" anchor="ctr" anchorCtr="0">
+            <a:noAutofit/>
+          </a:bodyPr>
+          <a:lstStyle/>
+          <a:p>
+            <a:pPr marL="0" lvl="0" indent="0" algn="l" rtl="0">
+              <a:spcBef>
+                <a:spcPts val="0"/>
+              </a:spcBef>
+              <a:spcAft>
+                <a:spcPts val="0"/>
+              </a:spcAft>
+              <a:buNone/>
+            </a:pPr>
+            <a:endParaRPr/>
+          </a:p>
+        </p:txBody>
+      </p:sp>
+      <p:sp>
+        <p:nvSpPr>
+          <p:cNvPr id="342" name="Google Shape;342;p40"/>
+          <p:cNvSpPr/>
+          <p:nvPr/>
+        </p:nvSpPr>
+        <p:spPr>
+          <a:xfrm>
+            <a:off x="3642190" y="256036"/>
+            <a:ext cx="2887500" cy="775200"/>
+          </a:xfrm>
+          <a:prstGeom prst="rect">
+            <a:avLst/>
+          </a:prstGeom>
+          <a:solidFill>
+            <a:schemeClr val="dk1"/>
+          </a:solidFill>
+          <a:ln>
+            <a:noFill/>
+          </a:ln>
+        </p:spPr>
+        <p:txBody>
+          <a:bodyPr spcFirstLastPara="1" wrap="square" lIns="91425" tIns="91425" rIns="91425" bIns="91425" anchor="ctr" anchorCtr="0">
+            <a:noAutofit/>
+          </a:bodyPr>
+          <a:lstStyle/>
+          <a:p>
+            <a:pPr marL="0" lvl="0" indent="0" algn="l" rtl="0">
+              <a:spcBef>
+                <a:spcPts val="0"/>
+              </a:spcBef>
+              <a:spcAft>
+                <a:spcPts val="0"/>
+              </a:spcAft>
+              <a:buNone/>
+            </a:pPr>
+            <a:endParaRPr/>
+          </a:p>
+        </p:txBody>
+      </p:sp>
+      <p:sp>
+        <p:nvSpPr>
+          <p:cNvPr id="343" name="Google Shape;343;p40"/>
+          <p:cNvSpPr txBox="1">
+            <a:spLocks noGrp="1"/>
+          </p:cNvSpPr>
+          <p:nvPr>
+            <p:ph type="ctrTitle"/>
+          </p:nvPr>
+        </p:nvSpPr>
+        <p:spPr>
+          <a:xfrm rot="5400000">
+            <a:off x="6964639" y="1619486"/>
+            <a:ext cx="3481200" cy="487500"/>
+          </a:xfrm>
+          <a:prstGeom prst="rect">
+            <a:avLst/>
+          </a:prstGeom>
+        </p:spPr>
+        <p:txBody>
+          <a:bodyPr spcFirstLastPara="1" wrap="square" lIns="91425" tIns="91425" rIns="91425" bIns="91425" anchor="t" anchorCtr="0">
+            <a:noAutofit/>
+          </a:bodyPr>
+          <a:lstStyle/>
+          <a:p>
+            <a:pPr marL="0" lvl="0" indent="0" algn="l" rtl="0">
+              <a:spcBef>
+                <a:spcPts val="0"/>
+              </a:spcBef>
+              <a:spcAft>
+                <a:spcPts val="0"/>
+              </a:spcAft>
+              <a:buNone/>
+            </a:pPr>
+            <a:r>
+              <a:rPr lang="es" dirty="0" smtClean="0"/>
+              <a:t>PRESUPUESTO DEL PROYECTO</a:t>
+            </a:r>
+            <a:endParaRPr dirty="0"/>
+          </a:p>
+        </p:txBody>
+      </p:sp>
+      <p:sp>
+        <p:nvSpPr>
+          <p:cNvPr id="344" name="Google Shape;344;p40"/>
+          <p:cNvSpPr txBox="1">
+            <a:spLocks noGrp="1"/>
+          </p:cNvSpPr>
+          <p:nvPr>
+            <p:ph type="ctrTitle"/>
+          </p:nvPr>
+        </p:nvSpPr>
+        <p:spPr>
+          <a:xfrm>
+            <a:off x="3771311" y="416882"/>
+            <a:ext cx="2570513" cy="487500"/>
+          </a:xfrm>
+          <a:prstGeom prst="rect">
+            <a:avLst/>
+          </a:prstGeom>
+        </p:spPr>
+        <p:txBody>
+          <a:bodyPr spcFirstLastPara="1" wrap="square" lIns="91425" tIns="91425" rIns="91425" bIns="91425" anchor="t" anchorCtr="0">
+            <a:noAutofit/>
+          </a:bodyPr>
+          <a:lstStyle/>
+          <a:p>
+            <a:pPr marL="0" lvl="0" indent="0" algn="ctr" rtl="0">
+              <a:spcBef>
+                <a:spcPts val="0"/>
+              </a:spcBef>
+              <a:spcAft>
+                <a:spcPts val="0"/>
+              </a:spcAft>
+              <a:buNone/>
+            </a:pPr>
+            <a:r>
+              <a:rPr lang="es" dirty="0" smtClean="0">
+                <a:solidFill>
+                  <a:schemeClr val="lt1"/>
+                </a:solidFill>
+                <a:latin typeface="Catamaran Light"/>
+                <a:ea typeface="Catamaran Light"/>
+                <a:cs typeface="Catamaran Light"/>
+                <a:sym typeface="Catamaran Light"/>
+              </a:rPr>
+              <a:t>Presupuesto total</a:t>
+            </a:r>
+            <a:endParaRPr dirty="0">
+              <a:solidFill>
+                <a:schemeClr val="lt1"/>
+              </a:solidFill>
+              <a:latin typeface="Catamaran Light"/>
+              <a:ea typeface="Catamaran Light"/>
+              <a:cs typeface="Catamaran Light"/>
+              <a:sym typeface="Catamaran Light"/>
+            </a:endParaRPr>
+          </a:p>
+        </p:txBody>
+      </p:sp>
+      <p:sp>
+        <p:nvSpPr>
+          <p:cNvPr id="345" name="Google Shape;345;p40"/>
+          <p:cNvSpPr txBox="1">
+            <a:spLocks noGrp="1"/>
+          </p:cNvSpPr>
+          <p:nvPr>
+            <p:ph type="ctrTitle"/>
+          </p:nvPr>
+        </p:nvSpPr>
+        <p:spPr>
+          <a:xfrm>
+            <a:off x="765995" y="1664960"/>
+            <a:ext cx="2830200" cy="487500"/>
+          </a:xfrm>
+          <a:prstGeom prst="rect">
+            <a:avLst/>
+          </a:prstGeom>
+        </p:spPr>
+        <p:txBody>
+          <a:bodyPr spcFirstLastPara="1" wrap="square" lIns="91425" tIns="91425" rIns="91425" bIns="91425" anchor="t" anchorCtr="0">
+            <a:noAutofit/>
+          </a:bodyPr>
+          <a:lstStyle/>
+          <a:p>
+            <a:pPr lvl="0" algn="ctr"/>
+            <a:r>
+              <a:rPr lang="en-US" dirty="0" smtClean="0">
+                <a:solidFill>
+                  <a:schemeClr val="bg1"/>
+                </a:solidFill>
+                <a:latin typeface="Livvic" panose="020B0604020202020204" charset="0"/>
+              </a:rPr>
+              <a:t>$ 13.470.923 </a:t>
+            </a:r>
+            <a:endParaRPr sz="4000" dirty="0">
+              <a:solidFill>
+                <a:schemeClr val="bg1"/>
+              </a:solidFill>
+              <a:latin typeface="Livvic" panose="020B0604020202020204" charset="0"/>
+            </a:endParaRPr>
+          </a:p>
+        </p:txBody>
+      </p:sp>
+      <p:sp>
+        <p:nvSpPr>
+          <p:cNvPr id="346" name="Google Shape;346;p40"/>
+          <p:cNvSpPr/>
+          <p:nvPr/>
+        </p:nvSpPr>
+        <p:spPr>
+          <a:xfrm>
+            <a:off x="3642190" y="1531929"/>
+            <a:ext cx="2887500" cy="775200"/>
+          </a:xfrm>
+          <a:prstGeom prst="rect">
+            <a:avLst/>
+          </a:prstGeom>
+          <a:solidFill>
+            <a:schemeClr val="accent1">
+              <a:alpha val="73210"/>
+            </a:schemeClr>
+          </a:solidFill>
+          <a:ln>
+            <a:noFill/>
+          </a:ln>
+        </p:spPr>
+        <p:txBody>
+          <a:bodyPr spcFirstLastPara="1" wrap="square" lIns="91425" tIns="91425" rIns="91425" bIns="91425" anchor="ctr" anchorCtr="0">
+            <a:noAutofit/>
+          </a:bodyPr>
+          <a:lstStyle/>
+          <a:p>
+            <a:pPr marL="0" lvl="0" indent="0" algn="l" rtl="0">
+              <a:spcBef>
+                <a:spcPts val="0"/>
+              </a:spcBef>
+              <a:spcAft>
+                <a:spcPts val="0"/>
+              </a:spcAft>
+              <a:buNone/>
+            </a:pPr>
+            <a:endParaRPr/>
+          </a:p>
+        </p:txBody>
+      </p:sp>
+      <p:sp>
+        <p:nvSpPr>
+          <p:cNvPr id="347" name="Google Shape;347;p40"/>
+          <p:cNvSpPr txBox="1">
+            <a:spLocks noGrp="1"/>
+          </p:cNvSpPr>
+          <p:nvPr>
+            <p:ph type="ctrTitle"/>
+          </p:nvPr>
+        </p:nvSpPr>
+        <p:spPr>
+          <a:xfrm>
+            <a:off x="3992423" y="1675779"/>
+            <a:ext cx="2076600" cy="487500"/>
+          </a:xfrm>
+          <a:prstGeom prst="rect">
+            <a:avLst/>
+          </a:prstGeom>
+        </p:spPr>
+        <p:txBody>
+          <a:bodyPr spcFirstLastPara="1" wrap="square" lIns="91425" tIns="91425" rIns="91425" bIns="91425" anchor="t" anchorCtr="0">
+            <a:noAutofit/>
+          </a:bodyPr>
+          <a:lstStyle/>
+          <a:p>
+            <a:pPr marL="0" lvl="0" indent="0" algn="ctr" rtl="0">
+              <a:spcBef>
+                <a:spcPts val="0"/>
+              </a:spcBef>
+              <a:spcAft>
+                <a:spcPts val="0"/>
+              </a:spcAft>
+              <a:buNone/>
+            </a:pPr>
+            <a:r>
+              <a:rPr lang="es" dirty="0" smtClean="0">
+                <a:latin typeface="Catamaran Light"/>
+                <a:ea typeface="Catamaran Light"/>
+                <a:cs typeface="Catamaran Light"/>
+                <a:sym typeface="Catamaran Light"/>
+              </a:rPr>
+              <a:t>Iteración 1 </a:t>
+            </a:r>
+            <a:endParaRPr sz="2000" dirty="0">
+              <a:latin typeface="Catamaran Light"/>
+              <a:ea typeface="Catamaran Light"/>
+              <a:cs typeface="Catamaran Light"/>
+              <a:sym typeface="Catamaran Light"/>
+            </a:endParaRPr>
+          </a:p>
+        </p:txBody>
+      </p:sp>
+      <p:sp>
+        <p:nvSpPr>
+          <p:cNvPr id="348" name="Google Shape;348;p40"/>
+          <p:cNvSpPr/>
+          <p:nvPr/>
+        </p:nvSpPr>
+        <p:spPr>
+          <a:xfrm>
+            <a:off x="3642190" y="2784156"/>
+            <a:ext cx="2887500" cy="775200"/>
+          </a:xfrm>
+          <a:prstGeom prst="rect">
+            <a:avLst/>
+          </a:prstGeom>
+          <a:solidFill>
+            <a:schemeClr val="dk1"/>
+          </a:solidFill>
+          <a:ln>
+            <a:noFill/>
+          </a:ln>
+        </p:spPr>
+        <p:txBody>
+          <a:bodyPr spcFirstLastPara="1" wrap="square" lIns="91425" tIns="91425" rIns="91425" bIns="91425" anchor="ctr" anchorCtr="0">
+            <a:noAutofit/>
+          </a:bodyPr>
+          <a:lstStyle/>
+          <a:p>
+            <a:pPr marL="0" lvl="0" indent="0" algn="l" rtl="0">
+              <a:spcBef>
+                <a:spcPts val="0"/>
+              </a:spcBef>
+              <a:spcAft>
+                <a:spcPts val="0"/>
+              </a:spcAft>
+              <a:buNone/>
+            </a:pPr>
+            <a:endParaRPr/>
+          </a:p>
+        </p:txBody>
+      </p:sp>
+      <p:sp>
+        <p:nvSpPr>
+          <p:cNvPr id="349" name="Google Shape;349;p40"/>
+          <p:cNvSpPr txBox="1">
+            <a:spLocks noGrp="1"/>
+          </p:cNvSpPr>
+          <p:nvPr>
+            <p:ph type="ctrTitle"/>
+          </p:nvPr>
+        </p:nvSpPr>
+        <p:spPr>
+          <a:xfrm>
+            <a:off x="3992422" y="2931694"/>
+            <a:ext cx="2236927" cy="487500"/>
+          </a:xfrm>
+          <a:prstGeom prst="rect">
+            <a:avLst/>
+          </a:prstGeom>
+        </p:spPr>
+        <p:txBody>
+          <a:bodyPr spcFirstLastPara="1" wrap="square" lIns="91425" tIns="91425" rIns="91425" bIns="91425" anchor="t" anchorCtr="0">
+            <a:noAutofit/>
+          </a:bodyPr>
+          <a:lstStyle/>
+          <a:p>
+            <a:pPr marL="0" lvl="0" indent="0" algn="ctr" rtl="0">
+              <a:spcBef>
+                <a:spcPts val="0"/>
+              </a:spcBef>
+              <a:spcAft>
+                <a:spcPts val="0"/>
+              </a:spcAft>
+              <a:buNone/>
+            </a:pPr>
+            <a:r>
+              <a:rPr lang="es" dirty="0" smtClean="0">
+                <a:solidFill>
+                  <a:schemeClr val="lt1"/>
+                </a:solidFill>
+                <a:latin typeface="Catamaran Light"/>
+                <a:ea typeface="Catamaran Light"/>
+                <a:cs typeface="Catamaran Light"/>
+                <a:sym typeface="Catamaran Light"/>
+              </a:rPr>
+              <a:t>Iteración 2</a:t>
+            </a:r>
+            <a:endParaRPr dirty="0">
+              <a:solidFill>
+                <a:schemeClr val="lt1"/>
+              </a:solidFill>
+              <a:latin typeface="Catamaran Light"/>
+              <a:ea typeface="Catamaran Light"/>
+              <a:cs typeface="Catamaran Light"/>
+              <a:sym typeface="Catamaran Light"/>
+            </a:endParaRPr>
+          </a:p>
+        </p:txBody>
+      </p:sp>
+      <p:sp>
+        <p:nvSpPr>
+          <p:cNvPr id="350" name="Google Shape;350;p40"/>
+          <p:cNvSpPr/>
+          <p:nvPr/>
+        </p:nvSpPr>
+        <p:spPr>
+          <a:xfrm>
+            <a:off x="720000" y="67304"/>
+            <a:ext cx="3135900" cy="1167900"/>
+          </a:xfrm>
+          <a:prstGeom prst="rect">
+            <a:avLst/>
+          </a:prstGeom>
+          <a:solidFill>
+            <a:schemeClr val="accent1">
+              <a:alpha val="61799"/>
+            </a:schemeClr>
+          </a:solidFill>
+          <a:ln>
+            <a:noFill/>
+          </a:ln>
+        </p:spPr>
+        <p:txBody>
+          <a:bodyPr spcFirstLastPara="1" wrap="square" lIns="91425" tIns="91425" rIns="91425" bIns="91425" anchor="ctr" anchorCtr="0">
+            <a:noAutofit/>
+          </a:bodyPr>
+          <a:lstStyle/>
+          <a:p>
+            <a:pPr marL="0" lvl="0" indent="0" algn="l" rtl="0">
+              <a:spcBef>
+                <a:spcPts val="0"/>
+              </a:spcBef>
+              <a:spcAft>
+                <a:spcPts val="0"/>
+              </a:spcAft>
+              <a:buNone/>
+            </a:pPr>
+            <a:endParaRPr/>
+          </a:p>
+        </p:txBody>
+      </p:sp>
+      <p:sp>
+        <p:nvSpPr>
+          <p:cNvPr id="351" name="Google Shape;351;p40"/>
+          <p:cNvSpPr txBox="1">
+            <a:spLocks noGrp="1"/>
+          </p:cNvSpPr>
+          <p:nvPr>
+            <p:ph type="ctrTitle"/>
+          </p:nvPr>
+        </p:nvSpPr>
+        <p:spPr>
+          <a:xfrm>
+            <a:off x="498889" y="122636"/>
+            <a:ext cx="3272422" cy="759783"/>
+          </a:xfrm>
+          <a:prstGeom prst="rect">
+            <a:avLst/>
+          </a:prstGeom>
+        </p:spPr>
+        <p:txBody>
+          <a:bodyPr spcFirstLastPara="1" wrap="square" lIns="91425" tIns="91425" rIns="91425" bIns="91425" anchor="t" anchorCtr="0">
+            <a:noAutofit/>
+          </a:bodyPr>
+          <a:lstStyle/>
+          <a:p>
+            <a:pPr lvl="0" algn="ctr"/>
+            <a:r>
+              <a:rPr lang="en-US" sz="3200" dirty="0"/>
+              <a:t> </a:t>
+            </a:r>
+            <a:r>
+              <a:rPr lang="en-US" sz="3200" dirty="0" smtClean="0"/>
+              <a:t>$32.132.148  </a:t>
+            </a:r>
+            <a:r>
+              <a:rPr lang="en-US" sz="3200" b="0" dirty="0" smtClean="0"/>
+              <a:t/>
+            </a:r>
+            <a:br>
+              <a:rPr lang="en-US" sz="3200" b="0" dirty="0" smtClean="0"/>
+            </a:br>
+            <a:r>
+              <a:rPr lang="en-US" sz="1800" b="0" dirty="0" smtClean="0"/>
+              <a:t>$24.717.037 + $ </a:t>
+            </a:r>
+            <a:r>
+              <a:rPr lang="en-US" sz="1800" b="0" dirty="0"/>
+              <a:t>7.415.111 </a:t>
+            </a:r>
+            <a:endParaRPr sz="2800" dirty="0">
+              <a:solidFill>
+                <a:schemeClr val="lt1"/>
+              </a:solidFill>
+            </a:endParaRPr>
+          </a:p>
+        </p:txBody>
+      </p:sp>
+      <p:sp>
+        <p:nvSpPr>
+          <p:cNvPr id="352" name="Google Shape;352;p40"/>
+          <p:cNvSpPr/>
+          <p:nvPr/>
+        </p:nvSpPr>
+        <p:spPr>
+          <a:xfrm>
+            <a:off x="720000" y="2587806"/>
+            <a:ext cx="3135900" cy="1167900"/>
+          </a:xfrm>
+          <a:prstGeom prst="rect">
+            <a:avLst/>
+          </a:prstGeom>
+          <a:solidFill>
+            <a:schemeClr val="accent1">
+              <a:alpha val="61799"/>
+            </a:schemeClr>
+          </a:solidFill>
+          <a:ln>
+            <a:noFill/>
+          </a:ln>
+        </p:spPr>
+        <p:txBody>
+          <a:bodyPr spcFirstLastPara="1" wrap="square" lIns="91425" tIns="91425" rIns="91425" bIns="91425" anchor="ctr" anchorCtr="0">
+            <a:noAutofit/>
+          </a:bodyPr>
+          <a:lstStyle/>
+          <a:p>
+            <a:pPr marL="0" lvl="0" indent="0" algn="l" rtl="0">
+              <a:spcBef>
+                <a:spcPts val="0"/>
+              </a:spcBef>
+              <a:spcAft>
+                <a:spcPts val="0"/>
+              </a:spcAft>
+              <a:buNone/>
+            </a:pPr>
+            <a:endParaRPr/>
+          </a:p>
+        </p:txBody>
+      </p:sp>
+      <p:pic>
+        <p:nvPicPr>
+          <p:cNvPr id="15" name="Picture 8" descr="prog-apoderados – Ingeniosas"/>
+          <p:cNvPicPr>
+            <a:picLocks noChangeAspect="1" noChangeArrowheads="1"/>
+          </p:cNvPicPr>
+          <p:nvPr/>
+        </p:nvPicPr>
+        <p:blipFill rotWithShape="1">
+          <a:blip r:embed="rId3">
+            <a:extLst>
+              <a:ext uri="{28A0092B-C50C-407E-A947-70E740481C1C}">
+                <a14:useLocalDpi xmlns:a14="http://schemas.microsoft.com/office/drawing/2010/main" val="0"/>
+              </a:ext>
+            </a:extLst>
+          </a:blip>
+          <a:srcRect t="37316" b="36288"/>
+          <a:stretch/>
+        </p:blipFill>
+        <p:spPr bwMode="auto">
+          <a:xfrm>
+            <a:off x="6475750" y="4518012"/>
+            <a:ext cx="2562000" cy="676276"/>
+          </a:xfrm>
+          <a:prstGeom prst="rect">
+            <a:avLst/>
+          </a:prstGeom>
+          <a:noFill/>
+          <a:extLst>
+            <a:ext uri="{909E8E84-426E-40DD-AFC4-6F175D3DCCD1}">
+              <a14:hiddenFill xmlns:a14="http://schemas.microsoft.com/office/drawing/2010/main">
+                <a:solidFill>
+                  <a:srgbClr val="FFFFFF"/>
+                </a:solidFill>
+              </a14:hiddenFill>
+            </a:ext>
+          </a:extLst>
+        </p:spPr>
+      </p:pic>
+      <p:sp>
+        <p:nvSpPr>
+          <p:cNvPr id="16" name="Google Shape;341;p40"/>
+          <p:cNvSpPr/>
+          <p:nvPr/>
+        </p:nvSpPr>
+        <p:spPr>
+          <a:xfrm>
+            <a:off x="720000" y="3840033"/>
+            <a:ext cx="3135900" cy="1167900"/>
+          </a:xfrm>
+          <a:prstGeom prst="rect">
+            <a:avLst/>
+          </a:prstGeom>
+          <a:solidFill>
+            <a:schemeClr val="dk1"/>
+          </a:solidFill>
+          <a:ln>
+            <a:noFill/>
+          </a:ln>
+        </p:spPr>
+        <p:txBody>
+          <a:bodyPr spcFirstLastPara="1" wrap="square" lIns="91425" tIns="91425" rIns="91425" bIns="91425" anchor="ctr" anchorCtr="0">
+            <a:noAutofit/>
+          </a:bodyPr>
+          <a:lstStyle/>
+          <a:p>
+            <a:pPr marL="0" lvl="0" indent="0" algn="l" rtl="0">
+              <a:spcBef>
+                <a:spcPts val="0"/>
+              </a:spcBef>
+              <a:spcAft>
+                <a:spcPts val="0"/>
+              </a:spcAft>
+              <a:buNone/>
+            </a:pPr>
+            <a:endParaRPr/>
+          </a:p>
+        </p:txBody>
+      </p:sp>
+      <p:sp>
+        <p:nvSpPr>
+          <p:cNvPr id="18" name="Google Shape;346;p40"/>
+          <p:cNvSpPr/>
+          <p:nvPr/>
+        </p:nvSpPr>
+        <p:spPr>
+          <a:xfrm>
+            <a:off x="3642190" y="4047202"/>
+            <a:ext cx="2887500" cy="775200"/>
+          </a:xfrm>
+          <a:prstGeom prst="rect">
+            <a:avLst/>
+          </a:prstGeom>
+          <a:solidFill>
+            <a:schemeClr val="accent1">
+              <a:alpha val="73210"/>
+            </a:schemeClr>
+          </a:solidFill>
+          <a:ln>
+            <a:noFill/>
+          </a:ln>
+        </p:spPr>
+        <p:txBody>
+          <a:bodyPr spcFirstLastPara="1" wrap="square" lIns="91425" tIns="91425" rIns="91425" bIns="91425" anchor="ctr" anchorCtr="0">
+            <a:noAutofit/>
+          </a:bodyPr>
+          <a:lstStyle/>
+          <a:p>
+            <a:pPr marL="0" lvl="0" indent="0" algn="l" rtl="0">
+              <a:spcBef>
+                <a:spcPts val="0"/>
+              </a:spcBef>
+              <a:spcAft>
+                <a:spcPts val="0"/>
+              </a:spcAft>
+              <a:buNone/>
+            </a:pPr>
+            <a:endParaRPr/>
+          </a:p>
+        </p:txBody>
+      </p:sp>
+      <p:sp>
+        <p:nvSpPr>
+          <p:cNvPr id="19" name="Google Shape;347;p40"/>
+          <p:cNvSpPr txBox="1">
+            <a:spLocks/>
+          </p:cNvSpPr>
+          <p:nvPr/>
+        </p:nvSpPr>
+        <p:spPr>
+          <a:xfrm>
+            <a:off x="3992423" y="4191052"/>
+            <a:ext cx="2076600" cy="487500"/>
+          </a:xfrm>
+          <a:prstGeom prst="rect">
+            <a:avLst/>
+          </a:prstGeom>
+          <a:noFill/>
+          <a:ln>
+            <a:noFill/>
+          </a:ln>
+        </p:spPr>
+        <p:txBody>
+          <a:bodyPr spcFirstLastPara="1" wrap="square" lIns="91425" tIns="91425" rIns="91425" bIns="91425" anchor="t" anchorCtr="0">
+            <a:noAutofit/>
+          </a:bodyPr>
+          <a:lstStyle>
+            <a:defPPr marR="0" lvl="0" algn="l" rtl="0">
+              <a:lnSpc>
+                <a:spcPct val="100000"/>
+              </a:lnSpc>
+              <a:spcBef>
+                <a:spcPts val="0"/>
+              </a:spcBef>
+              <a:spcAft>
+                <a:spcPts val="0"/>
+              </a:spcAft>
+            </a:defPPr>
+            <a:lvl1pPr marR="0" lvl="0" algn="l" rtl="0">
+              <a:lnSpc>
+                <a:spcPct val="100000"/>
+              </a:lnSpc>
+              <a:spcBef>
+                <a:spcPts val="0"/>
+              </a:spcBef>
+              <a:spcAft>
+                <a:spcPts val="0"/>
+              </a:spcAft>
+              <a:buClr>
+                <a:schemeClr val="dk1"/>
+              </a:buClr>
+              <a:buSzPts val="2400"/>
+              <a:buFont typeface="Livvic"/>
+              <a:buNone/>
+              <a:defRPr sz="2400" b="1" i="0" u="none" strike="noStrike" cap="none">
+                <a:solidFill>
+                  <a:schemeClr val="dk1"/>
+                </a:solidFill>
+                <a:latin typeface="Livvic"/>
+                <a:ea typeface="Livvic"/>
+                <a:cs typeface="Livvic"/>
+                <a:sym typeface="Livvic"/>
+              </a:defRPr>
+            </a:lvl1pPr>
+            <a:lvl2pPr marR="0" lvl="1" algn="l" rtl="0">
+              <a:lnSpc>
+                <a:spcPct val="100000"/>
+              </a:lnSpc>
+              <a:spcBef>
+                <a:spcPts val="0"/>
+              </a:spcBef>
+              <a:spcAft>
+                <a:spcPts val="0"/>
+              </a:spcAft>
+              <a:buClr>
+                <a:schemeClr val="dk1"/>
+              </a:buClr>
+              <a:buSzPts val="3000"/>
+              <a:buFont typeface="Livvic"/>
+              <a:buNone/>
+              <a:defRPr sz="3000" b="1" i="0" u="none" strike="noStrike" cap="none">
+                <a:solidFill>
+                  <a:schemeClr val="dk1"/>
+                </a:solidFill>
+                <a:latin typeface="Livvic"/>
+                <a:ea typeface="Livvic"/>
+                <a:cs typeface="Livvic"/>
+                <a:sym typeface="Livvic"/>
+              </a:defRPr>
+            </a:lvl2pPr>
+            <a:lvl3pPr marR="0" lvl="2" algn="l" rtl="0">
+              <a:lnSpc>
+                <a:spcPct val="100000"/>
+              </a:lnSpc>
+              <a:spcBef>
+                <a:spcPts val="0"/>
+              </a:spcBef>
+              <a:spcAft>
+                <a:spcPts val="0"/>
+              </a:spcAft>
+              <a:buClr>
+                <a:schemeClr val="dk1"/>
+              </a:buClr>
+              <a:buSzPts val="3000"/>
+              <a:buFont typeface="Livvic"/>
+              <a:buNone/>
+              <a:defRPr sz="3000" b="1" i="0" u="none" strike="noStrike" cap="none">
+                <a:solidFill>
+                  <a:schemeClr val="dk1"/>
+                </a:solidFill>
+                <a:latin typeface="Livvic"/>
+                <a:ea typeface="Livvic"/>
+                <a:cs typeface="Livvic"/>
+                <a:sym typeface="Livvic"/>
+              </a:defRPr>
+            </a:lvl3pPr>
+            <a:lvl4pPr marR="0" lvl="3" algn="l" rtl="0">
+              <a:lnSpc>
+                <a:spcPct val="100000"/>
+              </a:lnSpc>
+              <a:spcBef>
+                <a:spcPts val="0"/>
+              </a:spcBef>
+              <a:spcAft>
+                <a:spcPts val="0"/>
+              </a:spcAft>
+              <a:buClr>
+                <a:schemeClr val="dk1"/>
+              </a:buClr>
+              <a:buSzPts val="3000"/>
+              <a:buFont typeface="Livvic"/>
+              <a:buNone/>
+              <a:defRPr sz="3000" b="1" i="0" u="none" strike="noStrike" cap="none">
+                <a:solidFill>
+                  <a:schemeClr val="dk1"/>
+                </a:solidFill>
+                <a:latin typeface="Livvic"/>
+                <a:ea typeface="Livvic"/>
+                <a:cs typeface="Livvic"/>
+                <a:sym typeface="Livvic"/>
+              </a:defRPr>
+            </a:lvl4pPr>
+            <a:lvl5pPr marR="0" lvl="4" algn="l" rtl="0">
+              <a:lnSpc>
+                <a:spcPct val="100000"/>
+              </a:lnSpc>
+              <a:spcBef>
+                <a:spcPts val="0"/>
+              </a:spcBef>
+              <a:spcAft>
+                <a:spcPts val="0"/>
+              </a:spcAft>
+              <a:buClr>
+                <a:schemeClr val="dk1"/>
+              </a:buClr>
+              <a:buSzPts val="3000"/>
+              <a:buFont typeface="Livvic"/>
+              <a:buNone/>
+              <a:defRPr sz="3000" b="1" i="0" u="none" strike="noStrike" cap="none">
+                <a:solidFill>
+                  <a:schemeClr val="dk1"/>
+                </a:solidFill>
+                <a:latin typeface="Livvic"/>
+                <a:ea typeface="Livvic"/>
+                <a:cs typeface="Livvic"/>
+                <a:sym typeface="Livvic"/>
+              </a:defRPr>
+            </a:lvl5pPr>
+            <a:lvl6pPr marR="0" lvl="5" algn="l" rtl="0">
+              <a:lnSpc>
+                <a:spcPct val="100000"/>
+              </a:lnSpc>
+              <a:spcBef>
+                <a:spcPts val="0"/>
+              </a:spcBef>
+              <a:spcAft>
+                <a:spcPts val="0"/>
+              </a:spcAft>
+              <a:buClr>
+                <a:schemeClr val="dk1"/>
+              </a:buClr>
+              <a:buSzPts val="3000"/>
+              <a:buFont typeface="Livvic"/>
+              <a:buNone/>
+              <a:defRPr sz="3000" b="1" i="0" u="none" strike="noStrike" cap="none">
+                <a:solidFill>
+                  <a:schemeClr val="dk1"/>
+                </a:solidFill>
+                <a:latin typeface="Livvic"/>
+                <a:ea typeface="Livvic"/>
+                <a:cs typeface="Livvic"/>
+                <a:sym typeface="Livvic"/>
+              </a:defRPr>
+            </a:lvl6pPr>
+            <a:lvl7pPr marR="0" lvl="6" algn="l" rtl="0">
+              <a:lnSpc>
+                <a:spcPct val="100000"/>
+              </a:lnSpc>
+              <a:spcBef>
+                <a:spcPts val="0"/>
+              </a:spcBef>
+              <a:spcAft>
+                <a:spcPts val="0"/>
+              </a:spcAft>
+              <a:buClr>
+                <a:schemeClr val="dk1"/>
+              </a:buClr>
+              <a:buSzPts val="3000"/>
+              <a:buFont typeface="Livvic"/>
+              <a:buNone/>
+              <a:defRPr sz="3000" b="1" i="0" u="none" strike="noStrike" cap="none">
+                <a:solidFill>
+                  <a:schemeClr val="dk1"/>
+                </a:solidFill>
+                <a:latin typeface="Livvic"/>
+                <a:ea typeface="Livvic"/>
+                <a:cs typeface="Livvic"/>
+                <a:sym typeface="Livvic"/>
+              </a:defRPr>
+            </a:lvl7pPr>
+            <a:lvl8pPr marR="0" lvl="7" algn="l" rtl="0">
+              <a:lnSpc>
+                <a:spcPct val="100000"/>
+              </a:lnSpc>
+              <a:spcBef>
+                <a:spcPts val="0"/>
+              </a:spcBef>
+              <a:spcAft>
+                <a:spcPts val="0"/>
+              </a:spcAft>
+              <a:buClr>
+                <a:schemeClr val="dk1"/>
+              </a:buClr>
+              <a:buSzPts val="3000"/>
+              <a:buFont typeface="Livvic"/>
+              <a:buNone/>
+              <a:defRPr sz="3000" b="1" i="0" u="none" strike="noStrike" cap="none">
+                <a:solidFill>
+                  <a:schemeClr val="dk1"/>
+                </a:solidFill>
+                <a:latin typeface="Livvic"/>
+                <a:ea typeface="Livvic"/>
+                <a:cs typeface="Livvic"/>
+                <a:sym typeface="Livvic"/>
+              </a:defRPr>
+            </a:lvl8pPr>
+            <a:lvl9pPr marR="0" lvl="8" algn="l" rtl="0">
+              <a:lnSpc>
+                <a:spcPct val="100000"/>
+              </a:lnSpc>
+              <a:spcBef>
+                <a:spcPts val="0"/>
+              </a:spcBef>
+              <a:spcAft>
+                <a:spcPts val="0"/>
+              </a:spcAft>
+              <a:buClr>
+                <a:schemeClr val="dk1"/>
+              </a:buClr>
+              <a:buSzPts val="3000"/>
+              <a:buFont typeface="Livvic"/>
+              <a:buNone/>
+              <a:defRPr sz="3000" b="1" i="0" u="none" strike="noStrike" cap="none">
+                <a:solidFill>
+                  <a:schemeClr val="dk1"/>
+                </a:solidFill>
+                <a:latin typeface="Livvic"/>
+                <a:ea typeface="Livvic"/>
+                <a:cs typeface="Livvic"/>
+                <a:sym typeface="Livvic"/>
+              </a:defRPr>
+            </a:lvl9pPr>
+          </a:lstStyle>
+          <a:p>
+            <a:pPr algn="ctr"/>
+            <a:r>
+              <a:rPr lang="en-US" dirty="0" err="1" smtClean="0">
+                <a:latin typeface="Catamaran Light"/>
+                <a:ea typeface="Catamaran Light"/>
+                <a:cs typeface="Catamaran Light"/>
+                <a:sym typeface="Catamaran Light"/>
+              </a:rPr>
+              <a:t>Iteración</a:t>
+            </a:r>
+            <a:r>
+              <a:rPr lang="en-US" dirty="0" smtClean="0">
+                <a:latin typeface="Catamaran Light"/>
+                <a:ea typeface="Catamaran Light"/>
+                <a:cs typeface="Catamaran Light"/>
+                <a:sym typeface="Catamaran Light"/>
+              </a:rPr>
+              <a:t> 3</a:t>
+            </a:r>
+            <a:endParaRPr lang="en-US" sz="2000" dirty="0">
+              <a:latin typeface="Catamaran Light"/>
+              <a:ea typeface="Catamaran Light"/>
+              <a:cs typeface="Catamaran Light"/>
+              <a:sym typeface="Catamaran Light"/>
+            </a:endParaRPr>
+          </a:p>
+        </p:txBody>
+      </p:sp>
+      <p:sp>
+        <p:nvSpPr>
+          <p:cNvPr id="20" name="Google Shape;345;p40"/>
+          <p:cNvSpPr txBox="1">
+            <a:spLocks/>
+          </p:cNvSpPr>
+          <p:nvPr/>
+        </p:nvSpPr>
+        <p:spPr>
+          <a:xfrm>
+            <a:off x="752708" y="2848567"/>
+            <a:ext cx="2830200" cy="487500"/>
+          </a:xfrm>
+          <a:prstGeom prst="rect">
+            <a:avLst/>
+          </a:prstGeom>
+          <a:noFill/>
+          <a:ln>
+            <a:noFill/>
+          </a:ln>
+        </p:spPr>
+        <p:txBody>
+          <a:bodyPr spcFirstLastPara="1" wrap="square" lIns="91425" tIns="91425" rIns="91425" bIns="91425" anchor="t" anchorCtr="0">
+            <a:noAutofit/>
+          </a:bodyPr>
+          <a:lstStyle>
+            <a:defPPr marR="0" lvl="0" algn="l" rtl="0">
+              <a:lnSpc>
+                <a:spcPct val="100000"/>
+              </a:lnSpc>
+              <a:spcBef>
+                <a:spcPts val="0"/>
+              </a:spcBef>
+              <a:spcAft>
+                <a:spcPts val="0"/>
+              </a:spcAft>
+            </a:defPPr>
+            <a:lvl1pPr marR="0" lvl="0" algn="l" rtl="0">
+              <a:lnSpc>
+                <a:spcPct val="100000"/>
+              </a:lnSpc>
+              <a:spcBef>
+                <a:spcPts val="0"/>
+              </a:spcBef>
+              <a:spcAft>
+                <a:spcPts val="0"/>
+              </a:spcAft>
+              <a:buClr>
+                <a:schemeClr val="dk1"/>
+              </a:buClr>
+              <a:buSzPts val="2400"/>
+              <a:buFont typeface="Livvic"/>
+              <a:buNone/>
+              <a:defRPr sz="2400" b="1" i="0" u="none" strike="noStrike" cap="none">
+                <a:solidFill>
+                  <a:schemeClr val="dk1"/>
+                </a:solidFill>
+                <a:latin typeface="Livvic"/>
+                <a:ea typeface="Livvic"/>
+                <a:cs typeface="Livvic"/>
+                <a:sym typeface="Livvic"/>
+              </a:defRPr>
+            </a:lvl1pPr>
+            <a:lvl2pPr marR="0" lvl="1" algn="l" rtl="0">
+              <a:lnSpc>
+                <a:spcPct val="100000"/>
+              </a:lnSpc>
+              <a:spcBef>
+                <a:spcPts val="0"/>
+              </a:spcBef>
+              <a:spcAft>
+                <a:spcPts val="0"/>
+              </a:spcAft>
+              <a:buClr>
+                <a:schemeClr val="dk1"/>
+              </a:buClr>
+              <a:buSzPts val="3000"/>
+              <a:buFont typeface="Livvic"/>
+              <a:buNone/>
+              <a:defRPr sz="3000" b="1" i="0" u="none" strike="noStrike" cap="none">
+                <a:solidFill>
+                  <a:schemeClr val="dk1"/>
+                </a:solidFill>
+                <a:latin typeface="Livvic"/>
+                <a:ea typeface="Livvic"/>
+                <a:cs typeface="Livvic"/>
+                <a:sym typeface="Livvic"/>
+              </a:defRPr>
+            </a:lvl2pPr>
+            <a:lvl3pPr marR="0" lvl="2" algn="l" rtl="0">
+              <a:lnSpc>
+                <a:spcPct val="100000"/>
+              </a:lnSpc>
+              <a:spcBef>
+                <a:spcPts val="0"/>
+              </a:spcBef>
+              <a:spcAft>
+                <a:spcPts val="0"/>
+              </a:spcAft>
+              <a:buClr>
+                <a:schemeClr val="dk1"/>
+              </a:buClr>
+              <a:buSzPts val="3000"/>
+              <a:buFont typeface="Livvic"/>
+              <a:buNone/>
+              <a:defRPr sz="3000" b="1" i="0" u="none" strike="noStrike" cap="none">
+                <a:solidFill>
+                  <a:schemeClr val="dk1"/>
+                </a:solidFill>
+                <a:latin typeface="Livvic"/>
+                <a:ea typeface="Livvic"/>
+                <a:cs typeface="Livvic"/>
+                <a:sym typeface="Livvic"/>
+              </a:defRPr>
+            </a:lvl3pPr>
+            <a:lvl4pPr marR="0" lvl="3" algn="l" rtl="0">
+              <a:lnSpc>
+                <a:spcPct val="100000"/>
+              </a:lnSpc>
+              <a:spcBef>
+                <a:spcPts val="0"/>
+              </a:spcBef>
+              <a:spcAft>
+                <a:spcPts val="0"/>
+              </a:spcAft>
+              <a:buClr>
+                <a:schemeClr val="dk1"/>
+              </a:buClr>
+              <a:buSzPts val="3000"/>
+              <a:buFont typeface="Livvic"/>
+              <a:buNone/>
+              <a:defRPr sz="3000" b="1" i="0" u="none" strike="noStrike" cap="none">
+                <a:solidFill>
+                  <a:schemeClr val="dk1"/>
+                </a:solidFill>
+                <a:latin typeface="Livvic"/>
+                <a:ea typeface="Livvic"/>
+                <a:cs typeface="Livvic"/>
+                <a:sym typeface="Livvic"/>
+              </a:defRPr>
+            </a:lvl4pPr>
+            <a:lvl5pPr marR="0" lvl="4" algn="l" rtl="0">
+              <a:lnSpc>
+                <a:spcPct val="100000"/>
+              </a:lnSpc>
+              <a:spcBef>
+                <a:spcPts val="0"/>
+              </a:spcBef>
+              <a:spcAft>
+                <a:spcPts val="0"/>
+              </a:spcAft>
+              <a:buClr>
+                <a:schemeClr val="dk1"/>
+              </a:buClr>
+              <a:buSzPts val="3000"/>
+              <a:buFont typeface="Livvic"/>
+              <a:buNone/>
+              <a:defRPr sz="3000" b="1" i="0" u="none" strike="noStrike" cap="none">
+                <a:solidFill>
+                  <a:schemeClr val="dk1"/>
+                </a:solidFill>
+                <a:latin typeface="Livvic"/>
+                <a:ea typeface="Livvic"/>
+                <a:cs typeface="Livvic"/>
+                <a:sym typeface="Livvic"/>
+              </a:defRPr>
+            </a:lvl5pPr>
+            <a:lvl6pPr marR="0" lvl="5" algn="l" rtl="0">
+              <a:lnSpc>
+                <a:spcPct val="100000"/>
+              </a:lnSpc>
+              <a:spcBef>
+                <a:spcPts val="0"/>
+              </a:spcBef>
+              <a:spcAft>
+                <a:spcPts val="0"/>
+              </a:spcAft>
+              <a:buClr>
+                <a:schemeClr val="dk1"/>
+              </a:buClr>
+              <a:buSzPts val="3000"/>
+              <a:buFont typeface="Livvic"/>
+              <a:buNone/>
+              <a:defRPr sz="3000" b="1" i="0" u="none" strike="noStrike" cap="none">
+                <a:solidFill>
+                  <a:schemeClr val="dk1"/>
+                </a:solidFill>
+                <a:latin typeface="Livvic"/>
+                <a:ea typeface="Livvic"/>
+                <a:cs typeface="Livvic"/>
+                <a:sym typeface="Livvic"/>
+              </a:defRPr>
+            </a:lvl6pPr>
+            <a:lvl7pPr marR="0" lvl="6" algn="l" rtl="0">
+              <a:lnSpc>
+                <a:spcPct val="100000"/>
+              </a:lnSpc>
+              <a:spcBef>
+                <a:spcPts val="0"/>
+              </a:spcBef>
+              <a:spcAft>
+                <a:spcPts val="0"/>
+              </a:spcAft>
+              <a:buClr>
+                <a:schemeClr val="dk1"/>
+              </a:buClr>
+              <a:buSzPts val="3000"/>
+              <a:buFont typeface="Livvic"/>
+              <a:buNone/>
+              <a:defRPr sz="3000" b="1" i="0" u="none" strike="noStrike" cap="none">
+                <a:solidFill>
+                  <a:schemeClr val="dk1"/>
+                </a:solidFill>
+                <a:latin typeface="Livvic"/>
+                <a:ea typeface="Livvic"/>
+                <a:cs typeface="Livvic"/>
+                <a:sym typeface="Livvic"/>
+              </a:defRPr>
+            </a:lvl7pPr>
+            <a:lvl8pPr marR="0" lvl="7" algn="l" rtl="0">
+              <a:lnSpc>
+                <a:spcPct val="100000"/>
+              </a:lnSpc>
+              <a:spcBef>
+                <a:spcPts val="0"/>
+              </a:spcBef>
+              <a:spcAft>
+                <a:spcPts val="0"/>
+              </a:spcAft>
+              <a:buClr>
+                <a:schemeClr val="dk1"/>
+              </a:buClr>
+              <a:buSzPts val="3000"/>
+              <a:buFont typeface="Livvic"/>
+              <a:buNone/>
+              <a:defRPr sz="3000" b="1" i="0" u="none" strike="noStrike" cap="none">
+                <a:solidFill>
+                  <a:schemeClr val="dk1"/>
+                </a:solidFill>
+                <a:latin typeface="Livvic"/>
+                <a:ea typeface="Livvic"/>
+                <a:cs typeface="Livvic"/>
+                <a:sym typeface="Livvic"/>
+              </a:defRPr>
+            </a:lvl8pPr>
+            <a:lvl9pPr marR="0" lvl="8" algn="l" rtl="0">
+              <a:lnSpc>
+                <a:spcPct val="100000"/>
+              </a:lnSpc>
+              <a:spcBef>
+                <a:spcPts val="0"/>
+              </a:spcBef>
+              <a:spcAft>
+                <a:spcPts val="0"/>
+              </a:spcAft>
+              <a:buClr>
+                <a:schemeClr val="dk1"/>
+              </a:buClr>
+              <a:buSzPts val="3000"/>
+              <a:buFont typeface="Livvic"/>
+              <a:buNone/>
+              <a:defRPr sz="3000" b="1" i="0" u="none" strike="noStrike" cap="none">
+                <a:solidFill>
+                  <a:schemeClr val="dk1"/>
+                </a:solidFill>
+                <a:latin typeface="Livvic"/>
+                <a:ea typeface="Livvic"/>
+                <a:cs typeface="Livvic"/>
+                <a:sym typeface="Livvic"/>
+              </a:defRPr>
+            </a:lvl9pPr>
+          </a:lstStyle>
+          <a:p>
+            <a:pPr algn="ctr"/>
+            <a:r>
+              <a:rPr lang="en-US" dirty="0" smtClean="0">
+                <a:solidFill>
+                  <a:schemeClr val="tx1"/>
+                </a:solidFill>
+                <a:latin typeface="Livvic" panose="020B0604020202020204" charset="0"/>
+              </a:rPr>
+              <a:t>$</a:t>
+            </a:r>
+            <a:r>
+              <a:rPr lang="en-US" b="0" dirty="0"/>
+              <a:t> </a:t>
+            </a:r>
+            <a:r>
+              <a:rPr lang="en-US" dirty="0"/>
+              <a:t>7.779.122 </a:t>
+            </a:r>
+            <a:endParaRPr lang="en-US" sz="4000" dirty="0">
+              <a:solidFill>
+                <a:schemeClr val="tx1"/>
+              </a:solidFill>
+              <a:latin typeface="Livvic" panose="020B0604020202020204" charset="0"/>
+            </a:endParaRPr>
+          </a:p>
+        </p:txBody>
+      </p:sp>
+      <p:sp>
+        <p:nvSpPr>
+          <p:cNvPr id="22" name="Google Shape;345;p40"/>
+          <p:cNvSpPr txBox="1">
+            <a:spLocks/>
+          </p:cNvSpPr>
+          <p:nvPr/>
+        </p:nvSpPr>
+        <p:spPr>
+          <a:xfrm>
+            <a:off x="765995" y="4147697"/>
+            <a:ext cx="2830200" cy="487500"/>
+          </a:xfrm>
+          <a:prstGeom prst="rect">
+            <a:avLst/>
+          </a:prstGeom>
+          <a:noFill/>
+          <a:ln>
+            <a:noFill/>
+          </a:ln>
+        </p:spPr>
+        <p:txBody>
+          <a:bodyPr spcFirstLastPara="1" wrap="square" lIns="91425" tIns="91425" rIns="91425" bIns="91425" anchor="t" anchorCtr="0">
+            <a:noAutofit/>
+          </a:bodyPr>
+          <a:lstStyle>
+            <a:defPPr marR="0" lvl="0" algn="l" rtl="0">
+              <a:lnSpc>
+                <a:spcPct val="100000"/>
+              </a:lnSpc>
+              <a:spcBef>
+                <a:spcPts val="0"/>
+              </a:spcBef>
+              <a:spcAft>
+                <a:spcPts val="0"/>
+              </a:spcAft>
+            </a:defPPr>
+            <a:lvl1pPr marR="0" lvl="0" algn="l" rtl="0">
+              <a:lnSpc>
+                <a:spcPct val="100000"/>
+              </a:lnSpc>
+              <a:spcBef>
+                <a:spcPts val="0"/>
+              </a:spcBef>
+              <a:spcAft>
+                <a:spcPts val="0"/>
+              </a:spcAft>
+              <a:buClr>
+                <a:schemeClr val="dk1"/>
+              </a:buClr>
+              <a:buSzPts val="2400"/>
+              <a:buFont typeface="Livvic"/>
+              <a:buNone/>
+              <a:defRPr sz="2400" b="1" i="0" u="none" strike="noStrike" cap="none">
+                <a:solidFill>
+                  <a:schemeClr val="dk1"/>
+                </a:solidFill>
+                <a:latin typeface="Livvic"/>
+                <a:ea typeface="Livvic"/>
+                <a:cs typeface="Livvic"/>
+                <a:sym typeface="Livvic"/>
+              </a:defRPr>
+            </a:lvl1pPr>
+            <a:lvl2pPr marR="0" lvl="1" algn="l" rtl="0">
+              <a:lnSpc>
+                <a:spcPct val="100000"/>
+              </a:lnSpc>
+              <a:spcBef>
+                <a:spcPts val="0"/>
+              </a:spcBef>
+              <a:spcAft>
+                <a:spcPts val="0"/>
+              </a:spcAft>
+              <a:buClr>
+                <a:schemeClr val="dk1"/>
+              </a:buClr>
+              <a:buSzPts val="3000"/>
+              <a:buFont typeface="Livvic"/>
+              <a:buNone/>
+              <a:defRPr sz="3000" b="1" i="0" u="none" strike="noStrike" cap="none">
+                <a:solidFill>
+                  <a:schemeClr val="dk1"/>
+                </a:solidFill>
+                <a:latin typeface="Livvic"/>
+                <a:ea typeface="Livvic"/>
+                <a:cs typeface="Livvic"/>
+                <a:sym typeface="Livvic"/>
+              </a:defRPr>
+            </a:lvl2pPr>
+            <a:lvl3pPr marR="0" lvl="2" algn="l" rtl="0">
+              <a:lnSpc>
+                <a:spcPct val="100000"/>
+              </a:lnSpc>
+              <a:spcBef>
+                <a:spcPts val="0"/>
+              </a:spcBef>
+              <a:spcAft>
+                <a:spcPts val="0"/>
+              </a:spcAft>
+              <a:buClr>
+                <a:schemeClr val="dk1"/>
+              </a:buClr>
+              <a:buSzPts val="3000"/>
+              <a:buFont typeface="Livvic"/>
+              <a:buNone/>
+              <a:defRPr sz="3000" b="1" i="0" u="none" strike="noStrike" cap="none">
+                <a:solidFill>
+                  <a:schemeClr val="dk1"/>
+                </a:solidFill>
+                <a:latin typeface="Livvic"/>
+                <a:ea typeface="Livvic"/>
+                <a:cs typeface="Livvic"/>
+                <a:sym typeface="Livvic"/>
+              </a:defRPr>
+            </a:lvl3pPr>
+            <a:lvl4pPr marR="0" lvl="3" algn="l" rtl="0">
+              <a:lnSpc>
+                <a:spcPct val="100000"/>
+              </a:lnSpc>
+              <a:spcBef>
+                <a:spcPts val="0"/>
+              </a:spcBef>
+              <a:spcAft>
+                <a:spcPts val="0"/>
+              </a:spcAft>
+              <a:buClr>
+                <a:schemeClr val="dk1"/>
+              </a:buClr>
+              <a:buSzPts val="3000"/>
+              <a:buFont typeface="Livvic"/>
+              <a:buNone/>
+              <a:defRPr sz="3000" b="1" i="0" u="none" strike="noStrike" cap="none">
+                <a:solidFill>
+                  <a:schemeClr val="dk1"/>
+                </a:solidFill>
+                <a:latin typeface="Livvic"/>
+                <a:ea typeface="Livvic"/>
+                <a:cs typeface="Livvic"/>
+                <a:sym typeface="Livvic"/>
+              </a:defRPr>
+            </a:lvl4pPr>
+            <a:lvl5pPr marR="0" lvl="4" algn="l" rtl="0">
+              <a:lnSpc>
+                <a:spcPct val="100000"/>
+              </a:lnSpc>
+              <a:spcBef>
+                <a:spcPts val="0"/>
+              </a:spcBef>
+              <a:spcAft>
+                <a:spcPts val="0"/>
+              </a:spcAft>
+              <a:buClr>
+                <a:schemeClr val="dk1"/>
+              </a:buClr>
+              <a:buSzPts val="3000"/>
+              <a:buFont typeface="Livvic"/>
+              <a:buNone/>
+              <a:defRPr sz="3000" b="1" i="0" u="none" strike="noStrike" cap="none">
+                <a:solidFill>
+                  <a:schemeClr val="dk1"/>
+                </a:solidFill>
+                <a:latin typeface="Livvic"/>
+                <a:ea typeface="Livvic"/>
+                <a:cs typeface="Livvic"/>
+                <a:sym typeface="Livvic"/>
+              </a:defRPr>
+            </a:lvl5pPr>
+            <a:lvl6pPr marR="0" lvl="5" algn="l" rtl="0">
+              <a:lnSpc>
+                <a:spcPct val="100000"/>
+              </a:lnSpc>
+              <a:spcBef>
+                <a:spcPts val="0"/>
+              </a:spcBef>
+              <a:spcAft>
+                <a:spcPts val="0"/>
+              </a:spcAft>
+              <a:buClr>
+                <a:schemeClr val="dk1"/>
+              </a:buClr>
+              <a:buSzPts val="3000"/>
+              <a:buFont typeface="Livvic"/>
+              <a:buNone/>
+              <a:defRPr sz="3000" b="1" i="0" u="none" strike="noStrike" cap="none">
+                <a:solidFill>
+                  <a:schemeClr val="dk1"/>
+                </a:solidFill>
+                <a:latin typeface="Livvic"/>
+                <a:ea typeface="Livvic"/>
+                <a:cs typeface="Livvic"/>
+                <a:sym typeface="Livvic"/>
+              </a:defRPr>
+            </a:lvl6pPr>
+            <a:lvl7pPr marR="0" lvl="6" algn="l" rtl="0">
+              <a:lnSpc>
+                <a:spcPct val="100000"/>
+              </a:lnSpc>
+              <a:spcBef>
+                <a:spcPts val="0"/>
+              </a:spcBef>
+              <a:spcAft>
+                <a:spcPts val="0"/>
+              </a:spcAft>
+              <a:buClr>
+                <a:schemeClr val="dk1"/>
+              </a:buClr>
+              <a:buSzPts val="3000"/>
+              <a:buFont typeface="Livvic"/>
+              <a:buNone/>
+              <a:defRPr sz="3000" b="1" i="0" u="none" strike="noStrike" cap="none">
+                <a:solidFill>
+                  <a:schemeClr val="dk1"/>
+                </a:solidFill>
+                <a:latin typeface="Livvic"/>
+                <a:ea typeface="Livvic"/>
+                <a:cs typeface="Livvic"/>
+                <a:sym typeface="Livvic"/>
+              </a:defRPr>
+            </a:lvl7pPr>
+            <a:lvl8pPr marR="0" lvl="7" algn="l" rtl="0">
+              <a:lnSpc>
+                <a:spcPct val="100000"/>
+              </a:lnSpc>
+              <a:spcBef>
+                <a:spcPts val="0"/>
+              </a:spcBef>
+              <a:spcAft>
+                <a:spcPts val="0"/>
+              </a:spcAft>
+              <a:buClr>
+                <a:schemeClr val="dk1"/>
+              </a:buClr>
+              <a:buSzPts val="3000"/>
+              <a:buFont typeface="Livvic"/>
+              <a:buNone/>
+              <a:defRPr sz="3000" b="1" i="0" u="none" strike="noStrike" cap="none">
+                <a:solidFill>
+                  <a:schemeClr val="dk1"/>
+                </a:solidFill>
+                <a:latin typeface="Livvic"/>
+                <a:ea typeface="Livvic"/>
+                <a:cs typeface="Livvic"/>
+                <a:sym typeface="Livvic"/>
+              </a:defRPr>
+            </a:lvl8pPr>
+            <a:lvl9pPr marR="0" lvl="8" algn="l" rtl="0">
+              <a:lnSpc>
+                <a:spcPct val="100000"/>
+              </a:lnSpc>
+              <a:spcBef>
+                <a:spcPts val="0"/>
+              </a:spcBef>
+              <a:spcAft>
+                <a:spcPts val="0"/>
+              </a:spcAft>
+              <a:buClr>
+                <a:schemeClr val="dk1"/>
+              </a:buClr>
+              <a:buSzPts val="3000"/>
+              <a:buFont typeface="Livvic"/>
+              <a:buNone/>
+              <a:defRPr sz="3000" b="1" i="0" u="none" strike="noStrike" cap="none">
+                <a:solidFill>
+                  <a:schemeClr val="dk1"/>
+                </a:solidFill>
+                <a:latin typeface="Livvic"/>
+                <a:ea typeface="Livvic"/>
+                <a:cs typeface="Livvic"/>
+                <a:sym typeface="Livvic"/>
+              </a:defRPr>
+            </a:lvl9pPr>
+          </a:lstStyle>
+          <a:p>
+            <a:pPr algn="ctr"/>
+            <a:r>
+              <a:rPr lang="en-US" dirty="0" smtClean="0">
+                <a:solidFill>
+                  <a:schemeClr val="bg1"/>
+                </a:solidFill>
+                <a:latin typeface="Livvic" panose="020B0604020202020204" charset="0"/>
+              </a:rPr>
+              <a:t>$ </a:t>
+            </a:r>
+            <a:r>
+              <a:rPr lang="en-US" dirty="0">
+                <a:solidFill>
+                  <a:schemeClr val="bg1"/>
+                </a:solidFill>
+              </a:rPr>
+              <a:t> 3.466.992 </a:t>
+            </a:r>
+            <a:r>
+              <a:rPr lang="en-US" dirty="0" smtClean="0">
+                <a:solidFill>
+                  <a:schemeClr val="bg1"/>
+                </a:solidFill>
+                <a:latin typeface="Livvic" panose="020B0604020202020204" charset="0"/>
+              </a:rPr>
+              <a:t> </a:t>
+            </a:r>
+            <a:endParaRPr lang="en-US" sz="4000" dirty="0">
+              <a:solidFill>
+                <a:schemeClr val="bg1"/>
+              </a:solidFill>
+              <a:latin typeface="Livvic" panose="020B0604020202020204" charset="0"/>
+            </a:endParaRPr>
+          </a:p>
+        </p:txBody>
+      </p:sp>
+    </p:spTree>
+    <p:extLst>
+      <p:ext uri="{BB962C8B-B14F-4D97-AF65-F5344CB8AC3E}">
+        <p14:creationId xmlns:p14="http://schemas.microsoft.com/office/powerpoint/2010/main" val="4045993827"/>
+      </p:ext>
+    </p:extLst>
+  </p:cSld>
+  <p:clrMapOvr>
+    <a:masterClrMapping/>
+  </p:clrMapOvr>
+  <p:timing>
+    <p:tnLst>
+      <p:par>
+        <p:cTn id="1" dur="indefinite" restart="never" nodeType="tmRoot"/>
+      </p:par>
+    </p:tnLst>
+  </p:timing>
+</p:sld>
+</file>
+
+<file path=ppt/slides/slide11.xml><?xml version="1.0" encoding="utf-8"?>
+<p:sld xmlns:a="http://schemas.openxmlformats.org/drawingml/2006/main" xmlns:r="http://schemas.openxmlformats.org/officeDocument/2006/relationships" xmlns:p="http://schemas.openxmlformats.org/presentationml/2006/main">
+  <p:cSld>
     <p:bg>
       <p:bgPr>
         <a:blipFill>
@@ -12276,10 +14015,17 @@
   <p:clrMapOvr>
     <a:masterClrMapping/>
   </p:clrMapOvr>
+  <p:timing>
+    <p:tnLst>
+      <p:par>
+        <p:cTn id="1" dur="indefinite" restart="never" nodeType="tmRoot"/>
+      </p:par>
+    </p:tnLst>
+  </p:timing>
 </p:sld>
 </file>
 
-<file path=ppt/slides/slide11.xml><?xml version="1.0" encoding="utf-8"?>
+<file path=ppt/slides/slide12.xml><?xml version="1.0" encoding="utf-8"?>
 <p:sld xmlns:a="http://schemas.openxmlformats.org/drawingml/2006/main" xmlns:r="http://schemas.openxmlformats.org/officeDocument/2006/relationships" xmlns:p="http://schemas.openxmlformats.org/presentationml/2006/main">
   <p:cSld>
     <p:bg>
@@ -12304,107 +14050,15 @@
           <a:chExt cx="0" cy="0"/>
         </a:xfrm>
       </p:grpSpPr>
-      <p:sp>
-        <p:nvSpPr>
-          <p:cNvPr id="577" name="Google Shape;577;p51"/>
-          <p:cNvSpPr/>
-          <p:nvPr/>
-        </p:nvSpPr>
-        <p:spPr>
-          <a:xfrm rot="5400000">
-            <a:off x="1428875" y="205200"/>
-            <a:ext cx="3358800" cy="5026500"/>
-          </a:xfrm>
-          <a:prstGeom prst="rect">
-            <a:avLst/>
-          </a:prstGeom>
-          <a:solidFill>
-            <a:schemeClr val="accent1">
-              <a:alpha val="61799"/>
-            </a:schemeClr>
-          </a:solidFill>
-          <a:ln>
-            <a:noFill/>
-          </a:ln>
-        </p:spPr>
-        <p:txBody>
-          <a:bodyPr spcFirstLastPara="1" wrap="square" lIns="91425" tIns="91425" rIns="91425" bIns="91425" anchor="ctr" anchorCtr="0">
-            <a:noAutofit/>
-          </a:bodyPr>
-          <a:lstStyle/>
-          <a:p>
-            <a:pPr marL="0" lvl="0" indent="0" algn="l" rtl="0">
-              <a:spcBef>
-                <a:spcPts val="0"/>
-              </a:spcBef>
-              <a:spcAft>
-                <a:spcPts val="0"/>
-              </a:spcAft>
-              <a:buNone/>
-            </a:pPr>
-            <a:endParaRPr/>
-          </a:p>
-        </p:txBody>
-      </p:sp>
-      <p:sp>
-        <p:nvSpPr>
-          <p:cNvPr id="579" name="Google Shape;579;p51"/>
-          <p:cNvSpPr txBox="1">
-            <a:spLocks noGrp="1"/>
-          </p:cNvSpPr>
-          <p:nvPr>
-            <p:ph type="ctrTitle"/>
-          </p:nvPr>
-        </p:nvSpPr>
-        <p:spPr>
-          <a:xfrm>
-            <a:off x="876920" y="963240"/>
-            <a:ext cx="2933080" cy="2054100"/>
-          </a:xfrm>
-          <a:prstGeom prst="rect">
-            <a:avLst/>
-          </a:prstGeom>
-        </p:spPr>
-        <p:txBody>
-          <a:bodyPr spcFirstLastPara="1" wrap="square" lIns="91425" tIns="91425" rIns="91425" bIns="91425" anchor="b" anchorCtr="0">
-            <a:noAutofit/>
-          </a:bodyPr>
-          <a:lstStyle/>
-          <a:p>
-            <a:pPr marL="0" lvl="0" indent="0" algn="l" rtl="0">
-              <a:spcBef>
-                <a:spcPts val="0"/>
-              </a:spcBef>
-              <a:spcAft>
-                <a:spcPts val="0"/>
-              </a:spcAft>
-              <a:buNone/>
-            </a:pPr>
-            <a:r>
-              <a:rPr lang="es" sz="3000" dirty="0" smtClean="0">
-                <a:solidFill>
-                  <a:schemeClr val="lt1"/>
-                </a:solidFill>
-              </a:rPr>
-              <a:t>CONCLUSIÓN</a:t>
-            </a:r>
-            <a:endParaRPr sz="3000" dirty="0">
-              <a:solidFill>
-                <a:schemeClr val="lt1"/>
-              </a:solidFill>
-            </a:endParaRPr>
-          </a:p>
-        </p:txBody>
-      </p:sp>
       <p:pic>
         <p:nvPicPr>
-          <p:cNvPr id="15" name="Picture 2" descr="https://cdn.discordapp.com/attachments/749629802167926849/1016517146555195475/logo.png"/>
+          <p:cNvPr id="5" name="Picture 8" descr="prog-apoderados – Ingeniosas"/>
           <p:cNvPicPr>
             <a:picLocks noChangeAspect="1" noChangeArrowheads="1"/>
           </p:cNvPicPr>
           <p:nvPr/>
         </p:nvPicPr>
-        <p:blipFill>
+        <p:blipFill rotWithShape="1">
           <a:blip r:embed="rId3">
             <a:extLst>
               <a:ext uri="{28A0092B-C50C-407E-A947-70E740481C1C}">
@@ -12412,15 +14066,13 @@
               </a:ext>
             </a:extLst>
           </a:blip>
-          <a:srcRect/>
-          <a:stretch>
-            <a:fillRect/>
-          </a:stretch>
+          <a:srcRect t="37316" b="36288"/>
+          <a:stretch/>
         </p:blipFill>
         <p:spPr bwMode="auto">
           <a:xfrm>
-            <a:off x="4273945" y="370115"/>
-            <a:ext cx="4506685" cy="4506685"/>
+            <a:off x="6964326" y="4646978"/>
+            <a:ext cx="2073424" cy="547309"/>
           </a:xfrm>
           <a:prstGeom prst="rect">
             <a:avLst/>
@@ -12439,52 +14091,48 @@
       </p:pic>
       <p:pic>
         <p:nvPicPr>
-          <p:cNvPr id="17" name="Picture 8" descr="prog-apoderados – Ingeniosas"/>
+          <p:cNvPr id="3" name="Imagen 2"/>
           <p:cNvPicPr>
-            <a:picLocks noChangeAspect="1" noChangeArrowheads="1"/>
+            <a:picLocks noChangeAspect="1"/>
           </p:cNvPicPr>
           <p:nvPr/>
         </p:nvPicPr>
         <p:blipFill rotWithShape="1">
-          <a:blip r:embed="rId4">
-            <a:extLst>
-              <a:ext uri="{28A0092B-C50C-407E-A947-70E740481C1C}">
-                <a14:useLocalDpi xmlns:a14="http://schemas.microsoft.com/office/drawing/2010/main" val="0"/>
-              </a:ext>
-            </a:extLst>
-          </a:blip>
-          <a:srcRect t="37316" b="36288"/>
+          <a:blip r:embed="rId4"/>
+          <a:srcRect b="1240"/>
           <a:stretch/>
         </p:blipFill>
-        <p:spPr bwMode="auto">
+        <p:spPr>
           <a:xfrm>
-            <a:off x="6475750" y="4518012"/>
-            <a:ext cx="2562000" cy="676276"/>
+            <a:off x="429153" y="85060"/>
+            <a:ext cx="8306959" cy="4657061"/>
           </a:xfrm>
           <a:prstGeom prst="rect">
             <a:avLst/>
           </a:prstGeom>
-          <a:noFill/>
-          <a:extLst>
-            <a:ext uri="{909E8E84-426E-40DD-AFC4-6F175D3DCCD1}">
-              <a14:hiddenFill xmlns:a14="http://schemas.microsoft.com/office/drawing/2010/main">
-                <a:solidFill>
-                  <a:srgbClr val="FFFFFF"/>
-                </a:solidFill>
-              </a14:hiddenFill>
-            </a:ext>
-          </a:extLst>
         </p:spPr>
       </p:pic>
     </p:spTree>
+    <p:extLst>
+      <p:ext uri="{BB962C8B-B14F-4D97-AF65-F5344CB8AC3E}">
+        <p14:creationId xmlns:p14="http://schemas.microsoft.com/office/powerpoint/2010/main" val="3087761593"/>
+      </p:ext>
+    </p:extLst>
   </p:cSld>
   <p:clrMapOvr>
     <a:masterClrMapping/>
   </p:clrMapOvr>
+  <p:timing>
+    <p:tnLst>
+      <p:par>
+        <p:cTn id="1" dur="indefinite" restart="never" nodeType="tmRoot"/>
+      </p:par>
+    </p:tnLst>
+  </p:timing>
 </p:sld>
 </file>
 
-<file path=ppt/slides/slide12.xml><?xml version="1.0" encoding="utf-8"?>
+<file path=ppt/slides/slide13.xml><?xml version="1.0" encoding="utf-8"?>
 <p:sld xmlns:a="http://schemas.openxmlformats.org/drawingml/2006/main" xmlns:r="http://schemas.openxmlformats.org/officeDocument/2006/relationships" xmlns:p="http://schemas.openxmlformats.org/presentationml/2006/main">
   <p:cSld>
     <p:bg>
@@ -12691,6 +14339,13 @@
   <p:clrMapOvr>
     <a:masterClrMapping/>
   </p:clrMapOvr>
+  <p:timing>
+    <p:tnLst>
+      <p:par>
+        <p:cTn id="1" dur="indefinite" restart="never" nodeType="tmRoot"/>
+      </p:par>
+    </p:tnLst>
+  </p:timing>
 </p:sld>
 </file>
 
@@ -18119,11 +19774,7 @@
             </a:pPr>
             <a:r>
               <a:rPr lang="es" dirty="0" smtClean="0"/>
-              <a:t>Amazon </a:t>
-            </a:r>
-            <a:r>
-              <a:rPr lang="es" dirty="0" smtClean="0"/>
-              <a:t>Linux 2 AMI</a:t>
+              <a:t>Amazon Linux 2 AMI</a:t>
             </a:r>
           </a:p>
           <a:p>
@@ -24242,6 +25893,13 @@
   <p:clrMapOvr>
     <a:masterClrMapping/>
   </p:clrMapOvr>
+  <p:timing>
+    <p:tnLst>
+      <p:par>
+        <p:cTn id="1" dur="indefinite" restart="never" nodeType="tmRoot"/>
+      </p:par>
+    </p:tnLst>
+  </p:timing>
 </p:sld>
 </file>
 

--- a/Iteración 1/ITERACIÓN 1.pptx
+++ b/Iteración 1/ITERACIÓN 1.pptx
@@ -33,19 +33,19 @@
       <p:boldItalic r:id="rId19"/>
     </p:embeddedFont>
     <p:embeddedFont>
-      <p:font typeface="Catamaran Light" panose="020B0604020202020204" charset="0"/>
+      <p:font typeface="Livvic" panose="020B0604020202020204" charset="0"/>
       <p:regular r:id="rId20"/>
       <p:bold r:id="rId21"/>
+      <p:italic r:id="rId22"/>
+      <p:boldItalic r:id="rId23"/>
+    </p:embeddedFont>
+    <p:embeddedFont>
+      <p:font typeface="Catamaran Light" panose="020B0604020202020204" charset="0"/>
+      <p:regular r:id="rId24"/>
+      <p:bold r:id="rId25"/>
     </p:embeddedFont>
     <p:embeddedFont>
       <p:font typeface="Roboto" panose="020B0604020202020204" charset="0"/>
-      <p:regular r:id="rId22"/>
-      <p:bold r:id="rId23"/>
-      <p:italic r:id="rId24"/>
-      <p:boldItalic r:id="rId25"/>
-    </p:embeddedFont>
-    <p:embeddedFont>
-      <p:font typeface="Livvic" panose="020B0604020202020204" charset="0"/>
       <p:regular r:id="rId26"/>
       <p:bold r:id="rId27"/>
       <p:italic r:id="rId28"/>
